--- a/public/hackathon.pptx
+++ b/public/hackathon.pptx
@@ -6,12 +6,13 @@
   </p:sldMasterIdLst>
   <p:sldIdLst>
     <p:sldId id="256" r:id="rId2"/>
-    <p:sldId id="267" r:id="rId3"/>
+    <p:sldId id="261" r:id="rId3"/>
     <p:sldId id="263" r:id="rId4"/>
-    <p:sldId id="264" r:id="rId5"/>
-    <p:sldId id="265" r:id="rId6"/>
-    <p:sldId id="260" r:id="rId7"/>
-    <p:sldId id="266" r:id="rId8"/>
+    <p:sldId id="257" r:id="rId5"/>
+    <p:sldId id="258" r:id="rId6"/>
+    <p:sldId id="259" r:id="rId7"/>
+    <p:sldId id="262" r:id="rId8"/>
+    <p:sldId id="264" r:id="rId9"/>
   </p:sldIdLst>
   <p:sldSz cx="9144000" cy="6858000" type="screen4x3"/>
   <p:notesSz cx="6858000" cy="9144000"/>
@@ -3126,24 +3127,17 @@
       </p:sp>
       <p:sp>
         <p:nvSpPr>
-          <p:cNvPr id="5" name="TextBox 4"/>
-          <p:cNvSpPr txBox="1"/>
-          <p:nvPr/>
-        </p:nvSpPr>
-        <p:spPr>
-          <a:xfrm>
-            <a:off x="3888696" y="4203185"/>
-            <a:ext cx="4687384" cy="369332"/>
-          </a:xfrm>
-          <a:prstGeom prst="rect">
-            <a:avLst/>
-          </a:prstGeom>
-          <a:noFill/>
-        </p:spPr>
-        <p:txBody>
-          <a:bodyPr wrap="square" rtlCol="0">
-            <a:spAutoFit/>
-          </a:bodyPr>
+          <p:cNvPr id="3" name="Subtitle 2"/>
+          <p:cNvSpPr>
+            <a:spLocks noGrp="1"/>
+          </p:cNvSpPr>
+          <p:nvPr>
+            <p:ph type="subTitle" idx="1"/>
+          </p:nvPr>
+        </p:nvSpPr>
+        <p:spPr/>
+        <p:txBody>
+          <a:bodyPr/>
           <a:lstStyle/>
           <a:p>
             <a:r>
@@ -3224,32 +3218,28 @@
           <a:p>
             <a:r>
               <a:rPr lang="en-US" dirty="0" smtClean="0"/>
-              <a:t>Health services deficit</a:t>
+              <a:t>Health deficit</a:t>
             </a:r>
           </a:p>
           <a:p>
             <a:r>
               <a:rPr lang="en-US" dirty="0" smtClean="0"/>
-              <a:t>Create awareness </a:t>
-            </a:r>
-            <a:r>
-              <a:rPr lang="en-US" smtClean="0"/>
-              <a:t>and focus</a:t>
-            </a:r>
-            <a:endParaRPr lang="en-US" dirty="0" smtClean="0"/>
+              <a:t>Focus and awareness</a:t>
+            </a:r>
           </a:p>
           <a:p>
             <a:r>
               <a:rPr lang="en-US" dirty="0" smtClean="0"/>
               <a:t>Educate the people</a:t>
             </a:r>
+            <a:endParaRPr lang="en-US" dirty="0"/>
           </a:p>
         </p:txBody>
       </p:sp>
     </p:spTree>
     <p:extLst>
       <p:ext uri="{BB962C8B-B14F-4D97-AF65-F5344CB8AC3E}">
-        <p14:creationId xmlns:p14="http://schemas.microsoft.com/office/powerpoint/2010/main" val="3667771658"/>
+        <p14:creationId xmlns:p14="http://schemas.microsoft.com/office/powerpoint/2010/main" val="1274371895"/>
       </p:ext>
     </p:extLst>
   </p:cSld>
@@ -3283,17 +3273,22 @@
             <a:spLocks noGrp="1"/>
           </p:cNvSpPr>
           <p:nvPr>
-            <p:ph type="ctrTitle"/>
-          </p:nvPr>
-        </p:nvSpPr>
-        <p:spPr/>
+            <p:ph type="title"/>
+          </p:nvPr>
+        </p:nvSpPr>
+        <p:spPr>
+          <a:xfrm>
+            <a:off x="457200" y="2697034"/>
+            <a:ext cx="8229600" cy="1143000"/>
+          </a:xfrm>
+        </p:spPr>
         <p:txBody>
           <a:bodyPr/>
           <a:lstStyle/>
           <a:p>
             <a:r>
               <a:rPr lang="en-US" dirty="0" smtClean="0"/>
-              <a:t>Availability of Doctors</a:t>
+              <a:t>Demo</a:t>
             </a:r>
             <a:endParaRPr lang="en-US" dirty="0"/>
           </a:p>
@@ -3301,34 +3296,27 @@
       </p:sp>
       <p:sp>
         <p:nvSpPr>
-          <p:cNvPr id="3" name="Subtitle 2"/>
-          <p:cNvSpPr>
-            <a:spLocks noGrp="1"/>
-          </p:cNvSpPr>
-          <p:nvPr>
-            <p:ph type="subTitle" idx="1"/>
-          </p:nvPr>
-        </p:nvSpPr>
-        <p:spPr/>
-        <p:txBody>
-          <a:bodyPr/>
-          <a:lstStyle/>
-          <a:p>
-            <a:r>
-              <a:rPr lang="en-US" dirty="0" smtClean="0"/>
-              <a:t>85 per lakh populatio</a:t>
-            </a:r>
-            <a:r>
-              <a:rPr lang="en-US" dirty="0"/>
-              <a:t>n</a:t>
-            </a:r>
+          <p:cNvPr id="3" name="Content Placeholder 2"/>
+          <p:cNvSpPr>
+            <a:spLocks noGrp="1"/>
+          </p:cNvSpPr>
+          <p:nvPr>
+            <p:ph idx="1"/>
+          </p:nvPr>
+        </p:nvSpPr>
+        <p:spPr/>
+        <p:txBody>
+          <a:bodyPr/>
+          <a:lstStyle/>
+          <a:p>
+            <a:endParaRPr lang="en-US"/>
           </a:p>
         </p:txBody>
       </p:sp>
     </p:spTree>
     <p:extLst>
       <p:ext uri="{BB962C8B-B14F-4D97-AF65-F5344CB8AC3E}">
-        <p14:creationId xmlns:p14="http://schemas.microsoft.com/office/powerpoint/2010/main" val="1172235793"/>
+        <p14:creationId xmlns:p14="http://schemas.microsoft.com/office/powerpoint/2010/main" val="3579938133"/>
       </p:ext>
     </p:extLst>
   </p:cSld>
@@ -3362,17 +3350,19 @@
             <a:spLocks noGrp="1"/>
           </p:cNvSpPr>
           <p:nvPr>
-            <p:ph type="ctrTitle"/>
-          </p:nvPr>
-        </p:nvSpPr>
-        <p:spPr/>
-        <p:txBody>
-          <a:bodyPr/>
+            <p:ph type="title"/>
+          </p:nvPr>
+        </p:nvSpPr>
+        <p:spPr/>
+        <p:txBody>
+          <a:bodyPr>
+            <a:normAutofit/>
+          </a:bodyPr>
           <a:lstStyle/>
           <a:p>
             <a:r>
               <a:rPr lang="en-US" dirty="0" smtClean="0"/>
-              <a:t>Availability of Nurses</a:t>
+              <a:t>Availability of doctors</a:t>
             </a:r>
             <a:endParaRPr lang="en-US" dirty="0"/>
           </a:p>
@@ -3380,34 +3370,27 @@
       </p:sp>
       <p:sp>
         <p:nvSpPr>
-          <p:cNvPr id="3" name="Subtitle 2"/>
-          <p:cNvSpPr>
-            <a:spLocks noGrp="1"/>
-          </p:cNvSpPr>
-          <p:nvPr>
-            <p:ph type="subTitle" idx="1"/>
-          </p:nvPr>
-        </p:nvSpPr>
-        <p:spPr/>
-        <p:txBody>
-          <a:bodyPr/>
-          <a:lstStyle/>
-          <a:p>
-            <a:r>
-              <a:rPr lang="en-US" dirty="0" smtClean="0"/>
-              <a:t>255 per lakh populatio</a:t>
-            </a:r>
-            <a:r>
-              <a:rPr lang="en-US" dirty="0"/>
-              <a:t>n</a:t>
-            </a:r>
+          <p:cNvPr id="3" name="Content Placeholder 2"/>
+          <p:cNvSpPr>
+            <a:spLocks noGrp="1"/>
+          </p:cNvSpPr>
+          <p:nvPr>
+            <p:ph idx="1"/>
+          </p:nvPr>
+        </p:nvSpPr>
+        <p:spPr/>
+        <p:txBody>
+          <a:bodyPr/>
+          <a:lstStyle/>
+          <a:p>
+            <a:endParaRPr lang="en-US" dirty="0"/>
           </a:p>
         </p:txBody>
       </p:sp>
     </p:spTree>
     <p:extLst>
       <p:ext uri="{BB962C8B-B14F-4D97-AF65-F5344CB8AC3E}">
-        <p14:creationId xmlns:p14="http://schemas.microsoft.com/office/powerpoint/2010/main" val="3003661287"/>
+        <p14:creationId xmlns:p14="http://schemas.microsoft.com/office/powerpoint/2010/main" val="3105678855"/>
       </p:ext>
     </p:extLst>
   </p:cSld>
@@ -3441,7 +3424,7 @@
             <a:spLocks noGrp="1"/>
           </p:cNvSpPr>
           <p:nvPr>
-            <p:ph type="ctrTitle"/>
+            <p:ph type="title"/>
           </p:nvPr>
         </p:nvSpPr>
         <p:spPr/>
@@ -3451,7 +3434,7 @@
           <a:p>
             <a:r>
               <a:rPr lang="en-US" dirty="0" smtClean="0"/>
-              <a:t>Vaccine Shortage</a:t>
+              <a:t>Availability of Nurses</a:t>
             </a:r>
             <a:endParaRPr lang="en-US" dirty="0"/>
           </a:p>
@@ -3459,12 +3442,12 @@
       </p:sp>
       <p:sp>
         <p:nvSpPr>
-          <p:cNvPr id="4" name="Subtitle 3"/>
-          <p:cNvSpPr>
-            <a:spLocks noGrp="1"/>
-          </p:cNvSpPr>
-          <p:nvPr>
-            <p:ph type="subTitle" idx="1"/>
+          <p:cNvPr id="3" name="Content Placeholder 2"/>
+          <p:cNvSpPr>
+            <a:spLocks noGrp="1"/>
+          </p:cNvSpPr>
+          <p:nvPr>
+            <p:ph idx="1"/>
           </p:nvPr>
         </p:nvSpPr>
         <p:spPr/>
@@ -3479,7 +3462,7 @@
     </p:spTree>
     <p:extLst>
       <p:ext uri="{BB962C8B-B14F-4D97-AF65-F5344CB8AC3E}">
-        <p14:creationId xmlns:p14="http://schemas.microsoft.com/office/powerpoint/2010/main" val="1210763280"/>
+        <p14:creationId xmlns:p14="http://schemas.microsoft.com/office/powerpoint/2010/main" val="1825798475"/>
       </p:ext>
     </p:extLst>
   </p:cSld>
@@ -3523,7 +3506,7 @@
           <a:p>
             <a:r>
               <a:rPr lang="en-US" dirty="0" smtClean="0"/>
-              <a:t>Change Data</a:t>
+              <a:t>Vaccine Shortage</a:t>
             </a:r>
             <a:endParaRPr lang="en-US" dirty="0"/>
           </a:p>
@@ -3544,14 +3527,14 @@
           <a:bodyPr/>
           <a:lstStyle/>
           <a:p>
-            <a:endParaRPr lang="en-US"/>
+            <a:endParaRPr lang="en-US" dirty="0"/>
           </a:p>
         </p:txBody>
       </p:sp>
     </p:spTree>
     <p:extLst>
       <p:ext uri="{BB962C8B-B14F-4D97-AF65-F5344CB8AC3E}">
-        <p14:creationId xmlns:p14="http://schemas.microsoft.com/office/powerpoint/2010/main" val="1438680937"/>
+        <p14:creationId xmlns:p14="http://schemas.microsoft.com/office/powerpoint/2010/main" val="1615412858"/>
       </p:ext>
     </p:extLst>
   </p:cSld>
@@ -3595,7 +3578,7 @@
           <a:p>
             <a:r>
               <a:rPr lang="en-US" dirty="0" smtClean="0"/>
-              <a:t>Future Plans</a:t>
+              <a:t>Future plans</a:t>
             </a:r>
             <a:endParaRPr lang="en-US" dirty="0"/>
           </a:p>
@@ -3618,7 +3601,7 @@
           <a:p>
             <a:r>
               <a:rPr lang="en-US" dirty="0" smtClean="0"/>
-              <a:t>Public interacting with the site</a:t>
+              <a:t>Driven by general public</a:t>
             </a:r>
           </a:p>
           <a:p>
@@ -3633,7 +3616,124 @@
     </p:spTree>
     <p:extLst>
       <p:ext uri="{BB962C8B-B14F-4D97-AF65-F5344CB8AC3E}">
-        <p14:creationId xmlns:p14="http://schemas.microsoft.com/office/powerpoint/2010/main" val="1607692561"/>
+        <p14:creationId xmlns:p14="http://schemas.microsoft.com/office/powerpoint/2010/main" val="1153107563"/>
+      </p:ext>
+    </p:extLst>
+  </p:cSld>
+  <p:clrMapOvr>
+    <a:masterClrMapping/>
+  </p:clrMapOvr>
+</p:sld>
+</file>
+
+<file path=ppt/slides/slide8.xml><?xml version="1.0" encoding="utf-8"?>
+<p:sld xmlns:a="http://schemas.openxmlformats.org/drawingml/2006/main" xmlns:r="http://schemas.openxmlformats.org/officeDocument/2006/relationships" xmlns:p="http://schemas.openxmlformats.org/presentationml/2006/main">
+  <p:cSld>
+    <p:spTree>
+      <p:nvGrpSpPr>
+        <p:cNvPr id="1" name=""/>
+        <p:cNvGrpSpPr/>
+        <p:nvPr/>
+      </p:nvGrpSpPr>
+      <p:grpSpPr>
+        <a:xfrm>
+          <a:off x="0" y="0"/>
+          <a:ext cx="0" cy="0"/>
+          <a:chOff x="0" y="0"/>
+          <a:chExt cx="0" cy="0"/>
+        </a:xfrm>
+      </p:grpSpPr>
+      <p:sp>
+        <p:nvSpPr>
+          <p:cNvPr id="2" name="Title 1"/>
+          <p:cNvSpPr>
+            <a:spLocks noGrp="1"/>
+          </p:cNvSpPr>
+          <p:nvPr>
+            <p:ph type="title"/>
+          </p:nvPr>
+        </p:nvSpPr>
+        <p:spPr/>
+        <p:txBody>
+          <a:bodyPr/>
+          <a:lstStyle/>
+          <a:p>
+            <a:r>
+              <a:rPr lang="en-US" dirty="0" smtClean="0"/>
+              <a:t>References</a:t>
+            </a:r>
+            <a:endParaRPr lang="en-US" dirty="0"/>
+          </a:p>
+        </p:txBody>
+      </p:sp>
+      <p:sp>
+        <p:nvSpPr>
+          <p:cNvPr id="3" name="Content Placeholder 2"/>
+          <p:cNvSpPr>
+            <a:spLocks noGrp="1"/>
+          </p:cNvSpPr>
+          <p:nvPr>
+            <p:ph idx="1"/>
+          </p:nvPr>
+        </p:nvSpPr>
+        <p:spPr/>
+        <p:txBody>
+          <a:bodyPr/>
+          <a:lstStyle/>
+          <a:p>
+            <a:r>
+              <a:rPr lang="pl-PL" dirty="0" smtClean="0">
+                <a:hlinkClick r:id="rId2"/>
+              </a:rPr>
+              <a:t>National Rural Health Mission - https</a:t>
+            </a:r>
+            <a:r>
+              <a:rPr lang="pl-PL" dirty="0">
+                <a:hlinkClick r:id="rId2"/>
+              </a:rPr>
+              <a:t>://nrhm-mis.nic.in/UI/RHS/RHS%202011/RHS%20-March%202011-%20Tables-%20Final%209.4.2012.</a:t>
+            </a:r>
+            <a:r>
+              <a:rPr lang="pl-PL" dirty="0" smtClean="0">
+                <a:hlinkClick r:id="rId2"/>
+              </a:rPr>
+              <a:t>pdf</a:t>
+            </a:r>
+            <a:endParaRPr lang="pl-PL" dirty="0" smtClean="0"/>
+          </a:p>
+          <a:p>
+            <a:r>
+              <a:rPr lang="pl-PL" dirty="0"/>
+              <a:t>http://</a:t>
+            </a:r>
+            <a:r>
+              <a:rPr lang="pl-PL" dirty="0" err="1"/>
+              <a:t>planningcommission.nic.in</a:t>
+            </a:r>
+            <a:r>
+              <a:rPr lang="pl-PL" dirty="0"/>
+              <a:t>/</a:t>
+            </a:r>
+            <a:r>
+              <a:rPr lang="pl-PL" dirty="0" err="1"/>
+              <a:t>hackathon</a:t>
+            </a:r>
+            <a:r>
+              <a:rPr lang="pl-PL" dirty="0"/>
+              <a:t>/</a:t>
+            </a:r>
+            <a:r>
+              <a:rPr lang="pl-PL" dirty="0" err="1"/>
+              <a:t>Health.pdf</a:t>
+            </a:r>
+            <a:endParaRPr lang="en-US" dirty="0"/>
+          </a:p>
+        </p:txBody>
+      </p:sp>
+    </p:spTree>
+    <p:extLst>
+      <p:ext uri="{BB962C8B-B14F-4D97-AF65-F5344CB8AC3E}">
+        <p14:creationId xmlns:p14="http://schemas.microsoft.com/office/powerpoint/2010/main" val="1812606238"/>
       </p:ext>
     </p:extLst>
   </p:cSld>

--- a/public/hackathon.pptx
+++ b/public/hackathon.pptx
@@ -3118,8 +3118,12 @@
           <a:lstStyle/>
           <a:p>
             <a:r>
+              <a:rPr lang="en-US" smtClean="0"/>
+              <a:t>Health of </a:t>
+            </a:r>
+            <a:r>
               <a:rPr lang="en-US" dirty="0" smtClean="0"/>
-              <a:t>Availability of Health Services</a:t>
+              <a:t>Health Services</a:t>
             </a:r>
             <a:endParaRPr lang="en-US" dirty="0"/>
           </a:p>
